--- a/Search/Search Algorithms.pptx
+++ b/Search/Search Algorithms.pptx
@@ -7,7 +7,8 @@
   <p:sldIdLst>
     <p:sldId id="256" r:id="rId2"/>
     <p:sldId id="257" r:id="rId3"/>
-    <p:sldId id="258" r:id="rId4"/>
+    <p:sldId id="259" r:id="rId4"/>
+    <p:sldId id="258" r:id="rId5"/>
   </p:sldIdLst>
   <p:sldSz cx="12192000" cy="6858000"/>
   <p:notesSz cx="6858000" cy="9144000"/>
@@ -106,6 +107,11 @@
       </a:defRPr>
     </a:lvl9pPr>
   </p:defaultTextStyle>
+  <p:extLst>
+    <p:ext uri="{EFAFB233-063F-42B5-8137-9DF3F51BA10A}">
+      <p15:sldGuideLst xmlns:p15="http://schemas.microsoft.com/office/powerpoint/2012/main"/>
+    </p:ext>
+  </p:extLst>
 </p:presentation>
 </file>
 
@@ -4035,6 +4041,346 @@
           <p:cNvPr id="2" name="Title 1">
             <a:extLst>
               <a:ext uri="{FF2B5EF4-FFF2-40B4-BE49-F238E27FC236}">
+                <a16:creationId xmlns:a16="http://schemas.microsoft.com/office/drawing/2014/main" id="{81FC8500-D159-48FF-AB44-8F58C77E8AC6}"/>
+              </a:ext>
+            </a:extLst>
+          </p:cNvPr>
+          <p:cNvSpPr>
+            <a:spLocks noGrp="1"/>
+          </p:cNvSpPr>
+          <p:nvPr>
+            <p:ph type="title"/>
+          </p:nvPr>
+        </p:nvSpPr>
+        <p:spPr/>
+        <p:txBody>
+          <a:bodyPr/>
+          <a:lstStyle/>
+          <a:p>
+            <a:r>
+              <a:rPr lang="en-CA" dirty="0"/>
+              <a:t>Time Complexity</a:t>
+            </a:r>
+          </a:p>
+        </p:txBody>
+      </p:sp>
+      <p:sp>
+        <p:nvSpPr>
+          <p:cNvPr id="3" name="Content Placeholder 2">
+            <a:extLst>
+              <a:ext uri="{FF2B5EF4-FFF2-40B4-BE49-F238E27FC236}">
+                <a16:creationId xmlns:a16="http://schemas.microsoft.com/office/drawing/2014/main" id="{202733F2-B48B-4632-8458-97BDD5D81A49}"/>
+              </a:ext>
+            </a:extLst>
+          </p:cNvPr>
+          <p:cNvSpPr>
+            <a:spLocks noGrp="1"/>
+          </p:cNvSpPr>
+          <p:nvPr>
+            <p:ph idx="1"/>
+          </p:nvPr>
+        </p:nvSpPr>
+        <p:spPr/>
+        <p:txBody>
+          <a:bodyPr/>
+          <a:lstStyle/>
+          <a:p>
+            <a:endParaRPr lang="en-CA" dirty="0"/>
+          </a:p>
+        </p:txBody>
+      </p:sp>
+      <p:graphicFrame>
+        <p:nvGraphicFramePr>
+          <p:cNvPr id="5" name="Table 5">
+            <a:extLst>
+              <a:ext uri="{FF2B5EF4-FFF2-40B4-BE49-F238E27FC236}">
+                <a16:creationId xmlns:a16="http://schemas.microsoft.com/office/drawing/2014/main" id="{50AB60A6-8486-456D-B575-13EF5B0BD1A8}"/>
+              </a:ext>
+            </a:extLst>
+          </p:cNvPr>
+          <p:cNvGraphicFramePr>
+            <a:graphicFrameLocks noGrp="1"/>
+          </p:cNvGraphicFramePr>
+          <p:nvPr>
+            <p:extLst>
+              <p:ext uri="{D42A27DB-BD31-4B8C-83A1-F6EECF244321}">
+                <p14:modId xmlns:p14="http://schemas.microsoft.com/office/powerpoint/2010/main" val="404332606"/>
+              </p:ext>
+            </p:extLst>
+          </p:nvPr>
+        </p:nvGraphicFramePr>
+        <p:xfrm>
+          <a:off x="1636075" y="2888914"/>
+          <a:ext cx="8101815" cy="1478280"/>
+        </p:xfrm>
+        <a:graphic>
+          <a:graphicData uri="http://schemas.openxmlformats.org/drawingml/2006/table">
+            <a:tbl>
+              <a:tblPr firstRow="1" bandRow="1">
+                <a:tableStyleId>{5C22544A-7EE6-4342-B048-85BDC9FD1C3A}</a:tableStyleId>
+              </a:tblPr>
+              <a:tblGrid>
+                <a:gridCol w="2378090">
+                  <a:extLst>
+                    <a:ext uri="{9D8B030D-6E8A-4147-A177-3AD203B41FA5}">
+                      <a16:colId xmlns:a16="http://schemas.microsoft.com/office/drawing/2014/main" val="2056339863"/>
+                    </a:ext>
+                  </a:extLst>
+                </a:gridCol>
+                <a:gridCol w="1834528">
+                  <a:extLst>
+                    <a:ext uri="{9D8B030D-6E8A-4147-A177-3AD203B41FA5}">
+                      <a16:colId xmlns:a16="http://schemas.microsoft.com/office/drawing/2014/main" val="3119375999"/>
+                    </a:ext>
+                  </a:extLst>
+                </a:gridCol>
+                <a:gridCol w="3889197">
+                  <a:extLst>
+                    <a:ext uri="{9D8B030D-6E8A-4147-A177-3AD203B41FA5}">
+                      <a16:colId xmlns:a16="http://schemas.microsoft.com/office/drawing/2014/main" val="3265075691"/>
+                    </a:ext>
+                  </a:extLst>
+                </a:gridCol>
+              </a:tblGrid>
+              <a:tr h="0">
+                <a:tc>
+                  <a:txBody>
+                    <a:bodyPr/>
+                    <a:lstStyle/>
+                    <a:p>
+                      <a:pPr algn="ctr"/>
+                      <a:r>
+                        <a:rPr lang="en-CA" dirty="0"/>
+                        <a:t>Case Types</a:t>
+                      </a:r>
+                    </a:p>
+                  </a:txBody>
+                  <a:tcPr/>
+                </a:tc>
+                <a:tc>
+                  <a:txBody>
+                    <a:bodyPr/>
+                    <a:lstStyle/>
+                    <a:p>
+                      <a:r>
+                        <a:rPr lang="en-CA" dirty="0"/>
+                        <a:t>Time Complexity</a:t>
+                      </a:r>
+                    </a:p>
+                  </a:txBody>
+                  <a:tcPr/>
+                </a:tc>
+                <a:tc>
+                  <a:txBody>
+                    <a:bodyPr/>
+                    <a:lstStyle/>
+                    <a:p>
+                      <a:pPr algn="ctr"/>
+                      <a:r>
+                        <a:rPr lang="en-CA" dirty="0"/>
+                        <a:t>Explanation</a:t>
+                      </a:r>
+                    </a:p>
+                  </a:txBody>
+                  <a:tcPr/>
+                </a:tc>
+                <a:extLst>
+                  <a:ext uri="{0D108BD9-81ED-4DB2-BD59-A6C34878D82A}">
+                    <a16:rowId xmlns:a16="http://schemas.microsoft.com/office/drawing/2014/main" val="683866116"/>
+                  </a:ext>
+                </a:extLst>
+              </a:tr>
+              <a:tr h="370840">
+                <a:tc>
+                  <a:txBody>
+                    <a:bodyPr/>
+                    <a:lstStyle/>
+                    <a:p>
+                      <a:pPr algn="ctr"/>
+                      <a:r>
+                        <a:rPr lang="en-US" dirty="0"/>
+                        <a:t>Best case </a:t>
+                      </a:r>
+                      <a:endParaRPr lang="en-CA" dirty="0"/>
+                    </a:p>
+                  </a:txBody>
+                  <a:tcPr/>
+                </a:tc>
+                <a:tc>
+                  <a:txBody>
+                    <a:bodyPr/>
+                    <a:lstStyle/>
+                    <a:p>
+                      <a:pPr algn="ctr"/>
+                      <a:r>
+                        <a:rPr lang="en-CA" dirty="0"/>
+                        <a:t>O(1)</a:t>
+                      </a:r>
+                    </a:p>
+                  </a:txBody>
+                  <a:tcPr/>
+                </a:tc>
+                <a:tc>
+                  <a:txBody>
+                    <a:bodyPr/>
+                    <a:lstStyle/>
+                    <a:p>
+                      <a:pPr algn="ctr"/>
+                      <a:r>
+                        <a:rPr lang="en-US" dirty="0"/>
+                        <a:t>Found at first location</a:t>
+                      </a:r>
+                      <a:endParaRPr lang="en-CA" dirty="0"/>
+                    </a:p>
+                  </a:txBody>
+                  <a:tcPr/>
+                </a:tc>
+                <a:extLst>
+                  <a:ext uri="{0D108BD9-81ED-4DB2-BD59-A6C34878D82A}">
+                    <a16:rowId xmlns:a16="http://schemas.microsoft.com/office/drawing/2014/main" val="3338271991"/>
+                  </a:ext>
+                </a:extLst>
+              </a:tr>
+              <a:tr h="370840">
+                <a:tc>
+                  <a:txBody>
+                    <a:bodyPr/>
+                    <a:lstStyle/>
+                    <a:p>
+                      <a:pPr algn="ctr"/>
+                      <a:r>
+                        <a:rPr lang="en-US" dirty="0"/>
+                        <a:t>Average case </a:t>
+                      </a:r>
+                      <a:endParaRPr lang="en-CA" dirty="0"/>
+                    </a:p>
+                  </a:txBody>
+                  <a:tcPr/>
+                </a:tc>
+                <a:tc>
+                  <a:txBody>
+                    <a:bodyPr/>
+                    <a:lstStyle/>
+                    <a:p>
+                      <a:pPr algn="ctr"/>
+                      <a:r>
+                        <a:rPr lang="en-CA" dirty="0"/>
+                        <a:t>O(n)</a:t>
+                      </a:r>
+                    </a:p>
+                  </a:txBody>
+                  <a:tcPr/>
+                </a:tc>
+                <a:tc>
+                  <a:txBody>
+                    <a:bodyPr/>
+                    <a:lstStyle/>
+                    <a:p>
+                      <a:pPr algn="ctr"/>
+                      <a:r>
+                        <a:rPr lang="en-US" dirty="0"/>
+                        <a:t>Found at the middle</a:t>
+                      </a:r>
+                      <a:endParaRPr lang="en-CA" dirty="0"/>
+                    </a:p>
+                  </a:txBody>
+                  <a:tcPr/>
+                </a:tc>
+                <a:extLst>
+                  <a:ext uri="{0D108BD9-81ED-4DB2-BD59-A6C34878D82A}">
+                    <a16:rowId xmlns:a16="http://schemas.microsoft.com/office/drawing/2014/main" val="1344002597"/>
+                  </a:ext>
+                </a:extLst>
+              </a:tr>
+              <a:tr h="370840">
+                <a:tc>
+                  <a:txBody>
+                    <a:bodyPr/>
+                    <a:lstStyle/>
+                    <a:p>
+                      <a:pPr algn="ctr"/>
+                      <a:r>
+                        <a:rPr lang="en-US" dirty="0"/>
+                        <a:t>Worst case </a:t>
+                      </a:r>
+                      <a:endParaRPr lang="en-CA" dirty="0"/>
+                    </a:p>
+                  </a:txBody>
+                  <a:tcPr/>
+                </a:tc>
+                <a:tc>
+                  <a:txBody>
+                    <a:bodyPr/>
+                    <a:lstStyle/>
+                    <a:p>
+                      <a:pPr algn="ctr"/>
+                      <a:r>
+                        <a:rPr lang="en-CA" dirty="0"/>
+                        <a:t>O(n)</a:t>
+                      </a:r>
+                    </a:p>
+                  </a:txBody>
+                  <a:tcPr/>
+                </a:tc>
+                <a:tc>
+                  <a:txBody>
+                    <a:bodyPr/>
+                    <a:lstStyle/>
+                    <a:p>
+                      <a:pPr algn="ctr"/>
+                      <a:r>
+                        <a:rPr lang="en-CA" dirty="0"/>
+                        <a:t>Not found or found at last position</a:t>
+                      </a:r>
+                    </a:p>
+                  </a:txBody>
+                  <a:tcPr/>
+                </a:tc>
+                <a:extLst>
+                  <a:ext uri="{0D108BD9-81ED-4DB2-BD59-A6C34878D82A}">
+                    <a16:rowId xmlns:a16="http://schemas.microsoft.com/office/drawing/2014/main" val="886657207"/>
+                  </a:ext>
+                </a:extLst>
+              </a:tr>
+            </a:tbl>
+          </a:graphicData>
+        </a:graphic>
+      </p:graphicFrame>
+    </p:spTree>
+    <p:extLst>
+      <p:ext uri="{BB962C8B-B14F-4D97-AF65-F5344CB8AC3E}">
+        <p14:creationId xmlns:p14="http://schemas.microsoft.com/office/powerpoint/2010/main" val="881543819"/>
+      </p:ext>
+    </p:extLst>
+  </p:cSld>
+  <p:clrMapOvr>
+    <a:masterClrMapping/>
+  </p:clrMapOvr>
+</p:sld>
+</file>
+
+<file path=ppt/slides/slide4.xml><?xml version="1.0" encoding="utf-8"?>
+<p:sld xmlns:a="http://schemas.openxmlformats.org/drawingml/2006/main" xmlns:r="http://schemas.openxmlformats.org/officeDocument/2006/relationships" xmlns:p="http://schemas.openxmlformats.org/presentationml/2006/main">
+  <p:cSld>
+    <p:spTree>
+      <p:nvGrpSpPr>
+        <p:cNvPr id="1" name=""/>
+        <p:cNvGrpSpPr/>
+        <p:nvPr/>
+      </p:nvGrpSpPr>
+      <p:grpSpPr>
+        <a:xfrm>
+          <a:off x="0" y="0"/>
+          <a:ext cx="0" cy="0"/>
+          <a:chOff x="0" y="0"/>
+          <a:chExt cx="0" cy="0"/>
+        </a:xfrm>
+      </p:grpSpPr>
+      <p:sp>
+        <p:nvSpPr>
+          <p:cNvPr id="2" name="Title 1">
+            <a:extLst>
+              <a:ext uri="{FF2B5EF4-FFF2-40B4-BE49-F238E27FC236}">
                 <a16:creationId xmlns:a16="http://schemas.microsoft.com/office/drawing/2014/main" id="{A5FDABBE-75E2-4AEE-96BF-E028AA196E2D}"/>
               </a:ext>
             </a:extLst>
@@ -4081,22 +4427,40 @@
           <a:p>
             <a:r>
               <a:rPr lang="en-CA" dirty="0"/>
-              <a:t>1) </a:t>
-            </a:r>
-            <a:r>
-              <a:rPr lang="en-CA"/>
-              <a:t>Easy method with </a:t>
-            </a:r>
+              <a:t>1) Easy method with python </a:t>
+            </a:r>
+          </a:p>
+          <a:p>
             <a:r>
               <a:rPr lang="en-CA" dirty="0"/>
-              <a:t>python</a:t>
-            </a:r>
+              <a:t>Link:</a:t>
+            </a:r>
+            <a:r>
+              <a:rPr lang="en-CA" dirty="0">
+                <a:hlinkClick r:id="rId2"/>
+              </a:rPr>
+              <a:t> https://github.com/tskiranmayee/Data-Structures/blob/master/Search/LinearSearch.py</a:t>
+            </a:r>
+            <a:endParaRPr lang="en-CA" dirty="0"/>
           </a:p>
           <a:p>
             <a:r>
               <a:rPr lang="en-CA" dirty="0"/>
               <a:t>2) Conventional method</a:t>
             </a:r>
+          </a:p>
+          <a:p>
+            <a:r>
+              <a:rPr lang="en-CA" dirty="0"/>
+              <a:t>Link: </a:t>
+            </a:r>
+            <a:r>
+              <a:rPr lang="en-CA" dirty="0">
+                <a:hlinkClick r:id="rId3"/>
+              </a:rPr>
+              <a:t>https://github.com/tskiranmayee/Data-Structures/blob/master/Search/LinearSearch2.py</a:t>
+            </a:r>
+            <a:endParaRPr lang="en-CA" dirty="0"/>
           </a:p>
         </p:txBody>
       </p:sp>
